--- a/figures/figure_03.pptx
+++ b/figures/figure_03.pptx
@@ -115,13 +115,61 @@
 <file path=ppt/revisionInfo.xml><?xml version="1.0" encoding="utf-8"?>
 <p1510:revInfo xmlns:a="http://schemas.openxmlformats.org/drawingml/2006/main" xmlns:r="http://schemas.openxmlformats.org/officeDocument/2006/relationships" xmlns:p1510="http://schemas.microsoft.com/office/powerpoint/2015/10/main">
   <p1510:revLst>
-    <p1510:client id="{FDBB1D68-C721-4CE0-9F21-FE7EBED7F512}" v="2" dt="2024-05-01T17:44:22.013"/>
+    <p1510:client id="{B0FD097C-EFD4-4F6A-A3AF-18B682E83336}" v="3" dt="2024-06-14T19:59:39.384"/>
   </p1510:revLst>
 </p1510:revInfo>
 </file>
 
 <file path=ppt/changesInfos/changesInfo1.xml><?xml version="1.0" encoding="utf-8"?>
 <pc:chgInfo xmlns:a="http://schemas.openxmlformats.org/drawingml/2006/main" xmlns:r="http://schemas.openxmlformats.org/officeDocument/2006/relationships" xmlns:ac="http://schemas.microsoft.com/office/drawing/2013/main/command" xmlns:pc="http://schemas.microsoft.com/office/powerpoint/2013/main/command">
+  <pc:docChgLst>
+    <pc:chgData name="Neil Gilbert" userId="2403ec6af305d8db" providerId="LiveId" clId="{B0FD097C-EFD4-4F6A-A3AF-18B682E83336}"/>
+    <pc:docChg chg="custSel modSld">
+      <pc:chgData name="Neil Gilbert" userId="2403ec6af305d8db" providerId="LiveId" clId="{B0FD097C-EFD4-4F6A-A3AF-18B682E83336}" dt="2024-06-14T19:59:44.586" v="122" actId="1076"/>
+      <pc:docMkLst>
+        <pc:docMk/>
+      </pc:docMkLst>
+      <pc:sldChg chg="addSp delSp modSp mod">
+        <pc:chgData name="Neil Gilbert" userId="2403ec6af305d8db" providerId="LiveId" clId="{B0FD097C-EFD4-4F6A-A3AF-18B682E83336}" dt="2024-06-14T19:59:44.586" v="122" actId="1076"/>
+        <pc:sldMkLst>
+          <pc:docMk/>
+          <pc:sldMk cId="2369235694" sldId="256"/>
+        </pc:sldMkLst>
+        <pc:picChg chg="del">
+          <ac:chgData name="Neil Gilbert" userId="2403ec6af305d8db" providerId="LiveId" clId="{B0FD097C-EFD4-4F6A-A3AF-18B682E83336}" dt="2024-06-14T19:58:36.372" v="0" actId="478"/>
+          <ac:picMkLst>
+            <pc:docMk/>
+            <pc:sldMk cId="2369235694" sldId="256"/>
+            <ac:picMk id="3" creationId="{3937CFE0-649D-47CC-ABC7-AF3D24769511}"/>
+          </ac:picMkLst>
+        </pc:picChg>
+        <pc:picChg chg="add mod">
+          <ac:chgData name="Neil Gilbert" userId="2403ec6af305d8db" providerId="LiveId" clId="{B0FD097C-EFD4-4F6A-A3AF-18B682E83336}" dt="2024-06-14T19:59:18.653" v="115" actId="1037"/>
+          <ac:picMkLst>
+            <pc:docMk/>
+            <pc:sldMk cId="2369235694" sldId="256"/>
+            <ac:picMk id="4" creationId="{03111DD8-3818-3B3C-C97C-FF995BE93D83}"/>
+          </ac:picMkLst>
+        </pc:picChg>
+        <pc:picChg chg="del">
+          <ac:chgData name="Neil Gilbert" userId="2403ec6af305d8db" providerId="LiveId" clId="{B0FD097C-EFD4-4F6A-A3AF-18B682E83336}" dt="2024-06-14T19:59:23.458" v="116" actId="478"/>
+          <ac:picMkLst>
+            <pc:docMk/>
+            <pc:sldMk cId="2369235694" sldId="256"/>
+            <ac:picMk id="5" creationId="{9CD3C1A4-2DD6-D4D6-EE1B-BF4074144658}"/>
+          </ac:picMkLst>
+        </pc:picChg>
+        <pc:picChg chg="add mod">
+          <ac:chgData name="Neil Gilbert" userId="2403ec6af305d8db" providerId="LiveId" clId="{B0FD097C-EFD4-4F6A-A3AF-18B682E83336}" dt="2024-06-14T19:59:44.586" v="122" actId="1076"/>
+          <ac:picMkLst>
+            <pc:docMk/>
+            <pc:sldMk cId="2369235694" sldId="256"/>
+            <ac:picMk id="7" creationId="{9F460DA6-D22B-A97F-0AE1-AE065E41E689}"/>
+          </ac:picMkLst>
+        </pc:picChg>
+      </pc:sldChg>
+    </pc:docChg>
+  </pc:docChgLst>
   <pc:docChgLst>
     <pc:chgData name="Neil Gilbert" userId="2403ec6af305d8db" providerId="LiveId" clId="{FDBB1D68-C721-4CE0-9F21-FE7EBED7F512}"/>
     <pc:docChg chg="custSel modSld">
@@ -360,7 +408,7 @@
           <a:p>
             <a:fld id="{E0FF54E3-96A3-46B5-9F72-7256DC48B4AC}" type="datetimeFigureOut">
               <a:rPr lang="en-US" smtClean="0"/>
-              <a:t>5/1/2024</a:t>
+              <a:t>6/14/2024</a:t>
             </a:fld>
             <a:endParaRPr lang="en-US"/>
           </a:p>
@@ -530,7 +578,7 @@
           <a:p>
             <a:fld id="{E0FF54E3-96A3-46B5-9F72-7256DC48B4AC}" type="datetimeFigureOut">
               <a:rPr lang="en-US" smtClean="0"/>
-              <a:t>5/1/2024</a:t>
+              <a:t>6/14/2024</a:t>
             </a:fld>
             <a:endParaRPr lang="en-US"/>
           </a:p>
@@ -710,7 +758,7 @@
           <a:p>
             <a:fld id="{E0FF54E3-96A3-46B5-9F72-7256DC48B4AC}" type="datetimeFigureOut">
               <a:rPr lang="en-US" smtClean="0"/>
-              <a:t>5/1/2024</a:t>
+              <a:t>6/14/2024</a:t>
             </a:fld>
             <a:endParaRPr lang="en-US"/>
           </a:p>
@@ -880,7 +928,7 @@
           <a:p>
             <a:fld id="{E0FF54E3-96A3-46B5-9F72-7256DC48B4AC}" type="datetimeFigureOut">
               <a:rPr lang="en-US" smtClean="0"/>
-              <a:t>5/1/2024</a:t>
+              <a:t>6/14/2024</a:t>
             </a:fld>
             <a:endParaRPr lang="en-US"/>
           </a:p>
@@ -1124,7 +1172,7 @@
           <a:p>
             <a:fld id="{E0FF54E3-96A3-46B5-9F72-7256DC48B4AC}" type="datetimeFigureOut">
               <a:rPr lang="en-US" smtClean="0"/>
-              <a:t>5/1/2024</a:t>
+              <a:t>6/14/2024</a:t>
             </a:fld>
             <a:endParaRPr lang="en-US"/>
           </a:p>
@@ -1356,7 +1404,7 @@
           <a:p>
             <a:fld id="{E0FF54E3-96A3-46B5-9F72-7256DC48B4AC}" type="datetimeFigureOut">
               <a:rPr lang="en-US" smtClean="0"/>
-              <a:t>5/1/2024</a:t>
+              <a:t>6/14/2024</a:t>
             </a:fld>
             <a:endParaRPr lang="en-US"/>
           </a:p>
@@ -1723,7 +1771,7 @@
           <a:p>
             <a:fld id="{E0FF54E3-96A3-46B5-9F72-7256DC48B4AC}" type="datetimeFigureOut">
               <a:rPr lang="en-US" smtClean="0"/>
-              <a:t>5/1/2024</a:t>
+              <a:t>6/14/2024</a:t>
             </a:fld>
             <a:endParaRPr lang="en-US"/>
           </a:p>
@@ -1841,7 +1889,7 @@
           <a:p>
             <a:fld id="{E0FF54E3-96A3-46B5-9F72-7256DC48B4AC}" type="datetimeFigureOut">
               <a:rPr lang="en-US" smtClean="0"/>
-              <a:t>5/1/2024</a:t>
+              <a:t>6/14/2024</a:t>
             </a:fld>
             <a:endParaRPr lang="en-US"/>
           </a:p>
@@ -1936,7 +1984,7 @@
           <a:p>
             <a:fld id="{E0FF54E3-96A3-46B5-9F72-7256DC48B4AC}" type="datetimeFigureOut">
               <a:rPr lang="en-US" smtClean="0"/>
-              <a:t>5/1/2024</a:t>
+              <a:t>6/14/2024</a:t>
             </a:fld>
             <a:endParaRPr lang="en-US"/>
           </a:p>
@@ -2213,7 +2261,7 @@
           <a:p>
             <a:fld id="{E0FF54E3-96A3-46B5-9F72-7256DC48B4AC}" type="datetimeFigureOut">
               <a:rPr lang="en-US" smtClean="0"/>
-              <a:t>5/1/2024</a:t>
+              <a:t>6/14/2024</a:t>
             </a:fld>
             <a:endParaRPr lang="en-US"/>
           </a:p>
@@ -2470,7 +2518,7 @@
           <a:p>
             <a:fld id="{E0FF54E3-96A3-46B5-9F72-7256DC48B4AC}" type="datetimeFigureOut">
               <a:rPr lang="en-US" smtClean="0"/>
-              <a:t>5/1/2024</a:t>
+              <a:t>6/14/2024</a:t>
             </a:fld>
             <a:endParaRPr lang="en-US"/>
           </a:p>
@@ -2683,7 +2731,7 @@
           <a:p>
             <a:fld id="{E0FF54E3-96A3-46B5-9F72-7256DC48B4AC}" type="datetimeFigureOut">
               <a:rPr lang="en-US" smtClean="0"/>
-              <a:t>5/1/2024</a:t>
+              <a:t>6/14/2024</a:t>
             </a:fld>
             <a:endParaRPr lang="en-US"/>
           </a:p>
@@ -3088,42 +3136,6 @@
           <a:chExt cx="0" cy="0"/>
         </a:xfrm>
       </p:grpSpPr>
-      <p:pic>
-        <p:nvPicPr>
-          <p:cNvPr id="5" name="Picture 4" descr="A graph of a bar graph&#10;&#10;Description automatically generated with medium confidence">
-            <a:extLst>
-              <a:ext uri="{FF2B5EF4-FFF2-40B4-BE49-F238E27FC236}">
-                <a16:creationId xmlns:a16="http://schemas.microsoft.com/office/drawing/2014/main" id="{9CD3C1A4-2DD6-D4D6-EE1B-BF4074144658}"/>
-              </a:ext>
-            </a:extLst>
-          </p:cNvPr>
-          <p:cNvPicPr>
-            <a:picLocks noChangeAspect="1"/>
-          </p:cNvPicPr>
-          <p:nvPr/>
-        </p:nvPicPr>
-        <p:blipFill>
-          <a:blip r:embed="rId2">
-            <a:extLst>
-              <a:ext uri="{28A0092B-C50C-407E-A947-70E740481C1C}">
-                <a14:useLocalDpi xmlns:a14="http://schemas.microsoft.com/office/drawing/2010/main" val="0"/>
-              </a:ext>
-            </a:extLst>
-          </a:blip>
-          <a:stretch>
-            <a:fillRect/>
-          </a:stretch>
-        </p:blipFill>
-        <p:spPr>
-          <a:xfrm>
-            <a:off x="40689" y="1761184"/>
-            <a:ext cx="4572009" cy="2286005"/>
-          </a:xfrm>
-          <a:prstGeom prst="rect">
-            <a:avLst/>
-          </a:prstGeom>
-        </p:spPr>
-      </p:pic>
       <p:grpSp>
         <p:nvGrpSpPr>
           <p:cNvPr id="106" name="Group 105">
@@ -3199,7 +3211,7 @@
                 <p:nvPr/>
               </p:nvPicPr>
               <p:blipFill rotWithShape="1">
-                <a:blip r:embed="rId3">
+                <a:blip r:embed="rId2">
                   <a:extLst>
                     <a:ext uri="{28A0092B-C50C-407E-A947-70E740481C1C}">
                       <a14:useLocalDpi xmlns:a14="http://schemas.microsoft.com/office/drawing/2010/main" val="0"/>
@@ -3234,7 +3246,7 @@
                 <p:nvPr/>
               </p:nvPicPr>
               <p:blipFill rotWithShape="1">
-                <a:blip r:embed="rId4">
+                <a:blip r:embed="rId3">
                   <a:extLst>
                     <a:ext uri="{28A0092B-C50C-407E-A947-70E740481C1C}">
                       <a14:useLocalDpi xmlns:a14="http://schemas.microsoft.com/office/drawing/2010/main" val="0"/>
@@ -3269,7 +3281,7 @@
                 <p:nvPr/>
               </p:nvPicPr>
               <p:blipFill rotWithShape="1">
-                <a:blip r:embed="rId5">
+                <a:blip r:embed="rId4">
                   <a:extLst>
                     <a:ext uri="{28A0092B-C50C-407E-A947-70E740481C1C}">
                       <a14:useLocalDpi xmlns:a14="http://schemas.microsoft.com/office/drawing/2010/main" val="0"/>
@@ -3544,10 +3556,10 @@
       </p:grpSp>
       <p:pic>
         <p:nvPicPr>
-          <p:cNvPr id="3" name="Picture 2" descr="A screenshot of a video game&#10;&#10;Description automatically generated">
+          <p:cNvPr id="4" name="Picture 3" descr="A screenshot of a video game&#10;&#10;Description automatically generated">
             <a:extLst>
               <a:ext uri="{FF2B5EF4-FFF2-40B4-BE49-F238E27FC236}">
-                <a16:creationId xmlns:a16="http://schemas.microsoft.com/office/drawing/2014/main" id="{3937CFE0-649D-47CC-ABC7-AF3D24769511}"/>
+                <a16:creationId xmlns:a16="http://schemas.microsoft.com/office/drawing/2014/main" id="{03111DD8-3818-3B3C-C97C-FF995BE93D83}"/>
               </a:ext>
             </a:extLst>
           </p:cNvPr>
@@ -3557,7 +3569,7 @@
           <p:nvPr/>
         </p:nvPicPr>
         <p:blipFill>
-          <a:blip r:embed="rId6">
+          <a:blip r:embed="rId5">
             <a:extLst>
               <a:ext uri="{28A0092B-C50C-407E-A947-70E740481C1C}">
                 <a14:useLocalDpi xmlns:a14="http://schemas.microsoft.com/office/drawing/2010/main" val="0"/>
@@ -3570,8 +3582,54 @@
         </p:blipFill>
         <p:spPr>
           <a:xfrm>
-            <a:off x="2225451" y="204589"/>
-            <a:ext cx="1496571" cy="1496571"/>
+            <a:off x="2228874" y="214977"/>
+            <a:ext cx="1507626" cy="1507626"/>
+          </a:xfrm>
+          <a:prstGeom prst="rect">
+            <a:avLst/>
+          </a:prstGeom>
+        </p:spPr>
+      </p:pic>
+      <p:pic>
+        <p:nvPicPr>
+          <p:cNvPr id="7" name="Picture 6" descr="A graph of a bar graph&#10;&#10;Description automatically generated with medium confidence">
+            <a:extLst>
+              <a:ext uri="{FF2B5EF4-FFF2-40B4-BE49-F238E27FC236}">
+                <a16:creationId xmlns:a16="http://schemas.microsoft.com/office/drawing/2014/main" id="{9F460DA6-D22B-A97F-0AE1-AE065E41E689}"/>
+              </a:ext>
+            </a:extLst>
+          </p:cNvPr>
+          <p:cNvPicPr>
+            <a:picLocks noChangeAspect="1"/>
+          </p:cNvPicPr>
+          <p:nvPr/>
+        </p:nvPicPr>
+        <p:blipFill>
+          <a:blip r:embed="rId6">
+            <a:clrChange>
+              <a:clrFrom>
+                <a:srgbClr val="FFFFFF"/>
+              </a:clrFrom>
+              <a:clrTo>
+                <a:srgbClr val="FFFFFF">
+                  <a:alpha val="0"/>
+                </a:srgbClr>
+              </a:clrTo>
+            </a:clrChange>
+            <a:extLst>
+              <a:ext uri="{28A0092B-C50C-407E-A947-70E740481C1C}">
+                <a14:useLocalDpi xmlns:a14="http://schemas.microsoft.com/office/drawing/2010/main" val="0"/>
+              </a:ext>
+            </a:extLst>
+          </a:blip>
+          <a:stretch>
+            <a:fillRect/>
+          </a:stretch>
+        </p:blipFill>
+        <p:spPr>
+          <a:xfrm>
+            <a:off x="92066" y="1761184"/>
+            <a:ext cx="4572009" cy="2286005"/>
           </a:xfrm>
           <a:prstGeom prst="rect">
             <a:avLst/>
